--- a/english/Stand-Together.pptx
+++ b/english/Stand-Together.pptx
@@ -297,7 +297,7 @@
             <a:fld id="{3A3AB3E3-765C-4572-9110-116981532AA8}" type="datetimeFigureOut">
               <a:rPr lang="en-US" smtClean="0"/>
               <a:pPr/>
-              <a:t>1/10/2019</a:t>
+              <a:t>1/24/2019</a:t>
             </a:fld>
             <a:endParaRPr lang="en-US"/>
           </a:p>
@@ -464,7 +464,7 @@
             <a:fld id="{3A3AB3E3-765C-4572-9110-116981532AA8}" type="datetimeFigureOut">
               <a:rPr lang="en-US" smtClean="0"/>
               <a:pPr/>
-              <a:t>1/10/2019</a:t>
+              <a:t>1/24/2019</a:t>
             </a:fld>
             <a:endParaRPr lang="en-US"/>
           </a:p>
@@ -641,7 +641,7 @@
             <a:fld id="{3A3AB3E3-765C-4572-9110-116981532AA8}" type="datetimeFigureOut">
               <a:rPr lang="en-US" smtClean="0"/>
               <a:pPr/>
-              <a:t>1/10/2019</a:t>
+              <a:t>1/24/2019</a:t>
             </a:fld>
             <a:endParaRPr lang="en-US"/>
           </a:p>
@@ -808,7 +808,7 @@
             <a:fld id="{3A3AB3E3-765C-4572-9110-116981532AA8}" type="datetimeFigureOut">
               <a:rPr lang="en-US" smtClean="0"/>
               <a:pPr/>
-              <a:t>1/10/2019</a:t>
+              <a:t>1/24/2019</a:t>
             </a:fld>
             <a:endParaRPr lang="en-US"/>
           </a:p>
@@ -1051,7 +1051,7 @@
             <a:fld id="{3A3AB3E3-765C-4572-9110-116981532AA8}" type="datetimeFigureOut">
               <a:rPr lang="en-US" smtClean="0"/>
               <a:pPr/>
-              <a:t>1/10/2019</a:t>
+              <a:t>1/24/2019</a:t>
             </a:fld>
             <a:endParaRPr lang="en-US"/>
           </a:p>
@@ -1336,7 +1336,7 @@
             <a:fld id="{3A3AB3E3-765C-4572-9110-116981532AA8}" type="datetimeFigureOut">
               <a:rPr lang="en-US" smtClean="0"/>
               <a:pPr/>
-              <a:t>1/10/2019</a:t>
+              <a:t>1/24/2019</a:t>
             </a:fld>
             <a:endParaRPr lang="en-US"/>
           </a:p>
@@ -1755,7 +1755,7 @@
             <a:fld id="{3A3AB3E3-765C-4572-9110-116981532AA8}" type="datetimeFigureOut">
               <a:rPr lang="en-US" smtClean="0"/>
               <a:pPr/>
-              <a:t>1/10/2019</a:t>
+              <a:t>1/24/2019</a:t>
             </a:fld>
             <a:endParaRPr lang="en-US"/>
           </a:p>
@@ -1870,7 +1870,7 @@
             <a:fld id="{3A3AB3E3-765C-4572-9110-116981532AA8}" type="datetimeFigureOut">
               <a:rPr lang="en-US" smtClean="0"/>
               <a:pPr/>
-              <a:t>1/10/2019</a:t>
+              <a:t>1/24/2019</a:t>
             </a:fld>
             <a:endParaRPr lang="en-US"/>
           </a:p>
@@ -1962,7 +1962,7 @@
             <a:fld id="{3A3AB3E3-765C-4572-9110-116981532AA8}" type="datetimeFigureOut">
               <a:rPr lang="en-US" smtClean="0"/>
               <a:pPr/>
-              <a:t>1/10/2019</a:t>
+              <a:t>1/24/2019</a:t>
             </a:fld>
             <a:endParaRPr lang="en-US"/>
           </a:p>
@@ -2236,7 +2236,7 @@
             <a:fld id="{3A3AB3E3-765C-4572-9110-116981532AA8}" type="datetimeFigureOut">
               <a:rPr lang="en-US" smtClean="0"/>
               <a:pPr/>
-              <a:t>1/10/2019</a:t>
+              <a:t>1/24/2019</a:t>
             </a:fld>
             <a:endParaRPr lang="en-US"/>
           </a:p>
@@ -2486,7 +2486,7 @@
             <a:fld id="{3A3AB3E3-765C-4572-9110-116981532AA8}" type="datetimeFigureOut">
               <a:rPr lang="en-US" smtClean="0"/>
               <a:pPr/>
-              <a:t>1/10/2019</a:t>
+              <a:t>1/24/2019</a:t>
             </a:fld>
             <a:endParaRPr lang="en-US"/>
           </a:p>
@@ -2696,7 +2696,7 @@
             <a:fld id="{3A3AB3E3-765C-4572-9110-116981532AA8}" type="datetimeFigureOut">
               <a:rPr lang="en-US" smtClean="0"/>
               <a:pPr/>
-              <a:t>1/10/2019</a:t>
+              <a:t>1/24/2019</a:t>
             </a:fld>
             <a:endParaRPr lang="en-US"/>
           </a:p>
@@ -4766,13 +4766,27 @@
                 <a:ea typeface="Benmo Qianghei" pitchFamily="2" charset="-122"/>
                 <a:cs typeface="Arial" pitchFamily="34" charset="0"/>
               </a:rPr>
-              <a:t>We are strong, and we are brave, and </a:t>
+              <a:t>We are strong, and we are brave, </a:t>
+            </a:r>
+            <a:r>
+              <a:rPr lang="en-US" sz="6600" b="1" dirty="0">
+                <a:solidFill>
+                  <a:srgbClr val="FF0000"/>
+                </a:solidFill>
+                <a:latin typeface="Arial" pitchFamily="34" charset="0"/>
+                <a:ea typeface="Benmo Qianghei" pitchFamily="2" charset="-122"/>
+                <a:cs typeface="Arial" pitchFamily="34" charset="0"/>
+              </a:rPr>
+              <a:t>and </a:t>
             </a:r>
           </a:p>
           <a:p>
             <a:pPr algn="ctr"/>
             <a:r>
               <a:rPr lang="en-US" sz="6600" b="1" dirty="0">
+                <a:solidFill>
+                  <a:srgbClr val="FF0000"/>
+                </a:solidFill>
                 <a:latin typeface="Arial" pitchFamily="34" charset="0"/>
                 <a:ea typeface="Benmo Qianghei" pitchFamily="2" charset="-122"/>
                 <a:cs typeface="Arial" pitchFamily="34" charset="0"/>
@@ -4860,8 +4874,8 @@
         </p:nvSpPr>
         <p:spPr>
           <a:xfrm>
-            <a:off x="1201485" y="152400"/>
-            <a:ext cx="6723315" cy="1938992"/>
+            <a:off x="685800" y="152400"/>
+            <a:ext cx="7854394" cy="1938992"/>
           </a:xfrm>
           <a:prstGeom prst="rect">
             <a:avLst/>
@@ -4881,7 +4895,16 @@
                 </a:solidFill>
                 <a:latin typeface="Arial Black" pitchFamily="34" charset="0"/>
               </a:rPr>
-              <a:t>Stand together </a:t>
+              <a:t>Stand </a:t>
+            </a:r>
+            <a:r>
+              <a:rPr lang="en-US" sz="6000" b="1" dirty="0" smtClean="0">
+                <a:solidFill>
+                  <a:srgbClr val="FF0000"/>
+                </a:solidFill>
+                <a:latin typeface="Arial Black" pitchFamily="34" charset="0"/>
+              </a:rPr>
+              <a:t>TOGETHER </a:t>
             </a:r>
             <a:endParaRPr lang="en-US" sz="6000" b="1" dirty="0" smtClean="0">
               <a:solidFill>
@@ -4899,17 +4922,14 @@
                 </a:solidFill>
                 <a:latin typeface="Arial Black" pitchFamily="34" charset="0"/>
               </a:rPr>
-              <a:t>Stand </a:t>
-            </a:r>
-            <a:r>
-              <a:rPr lang="en-US" sz="6000" b="1" dirty="0">
-                <a:solidFill>
-                  <a:srgbClr val="FF0000"/>
-                </a:solidFill>
-                <a:latin typeface="Arial Black" pitchFamily="34" charset="0"/>
-              </a:rPr>
-              <a:t>forever</a:t>
-            </a:r>
+              <a:t>Stand FOREVER</a:t>
+            </a:r>
+            <a:endParaRPr lang="en-US" sz="6000" b="1" dirty="0">
+              <a:solidFill>
+                <a:srgbClr val="FF0000"/>
+              </a:solidFill>
+              <a:latin typeface="Arial Black" pitchFamily="34" charset="0"/>
+            </a:endParaRPr>
           </a:p>
         </p:txBody>
       </p:sp>
